--- a/Презентация игры.pptx
+++ b/Презентация игры.pptx
@@ -5,7 +5,7 @@
     <p:sldMasterId id="2147483673" r:id="rId1"/>
   </p:sldMasterIdLst>
   <p:sldIdLst>
-    <p:sldId id="256" r:id="rId2"/>
+    <p:sldId id="266" r:id="rId2"/>
     <p:sldId id="257" r:id="rId3"/>
     <p:sldId id="258" r:id="rId4"/>
     <p:sldId id="259" r:id="rId5"/>
@@ -279,7 +279,7 @@
           <a:p>
             <a:fld id="{C43A76A3-ADC8-4477-8FC1-B9DD55D84908}" type="datetime1">
               <a:rPr lang="en-US" smtClean="0"/>
-              <a:t>1/11/2022</a:t>
+              <a:t>1/13/2022</a:t>
             </a:fld>
             <a:endParaRPr lang="en-US" dirty="0"/>
           </a:p>
@@ -477,7 +477,7 @@
           <a:p>
             <a:fld id="{D6762538-DC4D-4667-96E5-B3278DDF8B12}" type="datetime1">
               <a:rPr lang="en-US" smtClean="0"/>
-              <a:t>1/11/2022</a:t>
+              <a:t>1/13/2022</a:t>
             </a:fld>
             <a:endParaRPr lang="en-US"/>
           </a:p>
@@ -685,7 +685,7 @@
           <a:p>
             <a:fld id="{05880548-5C08-4BE3-B63E-F2BB63B0B00C}" type="datetime1">
               <a:rPr lang="en-US" smtClean="0"/>
-              <a:t>1/11/2022</a:t>
+              <a:t>1/13/2022</a:t>
             </a:fld>
             <a:endParaRPr lang="en-US"/>
           </a:p>
@@ -883,7 +883,7 @@
           <a:p>
             <a:fld id="{DE7F49BE-398D-479A-8A7E-5DDBCA61EDCB}" type="datetime1">
               <a:rPr lang="en-US" smtClean="0"/>
-              <a:t>1/11/2022</a:t>
+              <a:t>1/13/2022</a:t>
             </a:fld>
             <a:endParaRPr lang="en-US"/>
           </a:p>
@@ -1159,7 +1159,7 @@
           <a:p>
             <a:fld id="{CCD0C193-4974-4A1F-9C63-07D595E30D66}" type="datetime1">
               <a:rPr lang="en-US" smtClean="0"/>
-              <a:t>1/11/2022</a:t>
+              <a:t>1/13/2022</a:t>
             </a:fld>
             <a:endParaRPr lang="en-US"/>
           </a:p>
@@ -1426,7 +1426,7 @@
           <a:p>
             <a:fld id="{701AA87F-28D4-4BF0-B81F-877A89DFD5AC}" type="datetime1">
               <a:rPr lang="en-US" smtClean="0"/>
-              <a:t>1/11/2022</a:t>
+              <a:t>1/13/2022</a:t>
             </a:fld>
             <a:endParaRPr lang="en-US"/>
           </a:p>
@@ -1840,7 +1840,7 @@
           <a:p>
             <a:fld id="{A8A9F1F3-208B-49A3-B337-9C8ACEB3E0E1}" type="datetime1">
               <a:rPr lang="en-US" smtClean="0"/>
-              <a:t>1/11/2022</a:t>
+              <a:t>1/13/2022</a:t>
             </a:fld>
             <a:endParaRPr lang="en-US"/>
           </a:p>
@@ -1987,7 +1987,7 @@
           <a:p>
             <a:fld id="{27AF6CA6-7293-4AA2-A0E0-A3BF4416E786}" type="datetime1">
               <a:rPr lang="en-US" smtClean="0"/>
-              <a:t>1/11/2022</a:t>
+              <a:t>1/13/2022</a:t>
             </a:fld>
             <a:endParaRPr lang="en-US"/>
           </a:p>
@@ -2100,7 +2100,7 @@
           <a:p>
             <a:fld id="{98D87016-7BCD-46FB-8EE3-AB6C369108B4}" type="datetime1">
               <a:rPr lang="en-US" smtClean="0"/>
-              <a:t>1/11/2022</a:t>
+              <a:t>1/13/2022</a:t>
             </a:fld>
             <a:endParaRPr lang="en-US"/>
           </a:p>
@@ -2419,7 +2419,7 @@
           <a:p>
             <a:fld id="{A1547011-1FFC-4EF8-9A2E-53B4AD2ADBD4}" type="datetime1">
               <a:rPr lang="en-US" smtClean="0"/>
-              <a:t>1/11/2022</a:t>
+              <a:t>1/13/2022</a:t>
             </a:fld>
             <a:endParaRPr lang="en-US"/>
           </a:p>
@@ -2714,7 +2714,7 @@
           <a:p>
             <a:fld id="{9562EB47-45B4-4EF5-A743-B4885DD2F060}" type="datetime1">
               <a:rPr lang="en-US" smtClean="0"/>
-              <a:t>1/11/2022</a:t>
+              <a:t>1/13/2022</a:t>
             </a:fld>
             <a:endParaRPr lang="en-US"/>
           </a:p>
@@ -4099,7 +4099,7 @@
           <a:p>
             <a:fld id="{4A8D24A4-5FEC-4062-8995-EB21925B3B40}" type="datetime1">
               <a:rPr lang="en-US" smtClean="0"/>
-              <a:t>1/11/2022</a:t>
+              <a:t>1/13/2022</a:t>
             </a:fld>
             <a:endParaRPr lang="en-US" sz="1000" dirty="0"/>
           </a:p>
@@ -4640,14 +4640,6 @@
 <file path=ppt/slides/slide1.xml><?xml version="1.0" encoding="utf-8"?>
 <p:sld xmlns:a="http://schemas.openxmlformats.org/drawingml/2006/main" xmlns:r="http://schemas.openxmlformats.org/officeDocument/2006/relationships" xmlns:p="http://schemas.openxmlformats.org/presentationml/2006/main">
   <p:cSld>
-    <p:bg>
-      <p:bgPr>
-        <a:solidFill>
-          <a:schemeClr val="bg1"/>
-        </a:solidFill>
-        <a:effectLst/>
-      </p:bgPr>
-    </p:bg>
     <p:spTree>
       <p:nvGrpSpPr>
         <p:cNvPr id="1" name=""/>
@@ -4662,140 +4654,12 @@
           <a:chExt cx="0" cy="0"/>
         </a:xfrm>
       </p:grpSpPr>
-      <p:sp useBgFill="1">
-        <p:nvSpPr>
-          <p:cNvPr id="37" name="Rectangle 8">
-            <a:extLst>
-              <a:ext uri="{FF2B5EF4-FFF2-40B4-BE49-F238E27FC236}">
-                <a16:creationId xmlns:a16="http://schemas.microsoft.com/office/drawing/2014/main" id="{733E0473-C315-42D8-A82A-A2FE49DC67DA}"/>
-              </a:ext>
-              <a:ext uri="{C183D7F6-B498-43B3-948B-1728B52AA6E4}">
-                <adec:decorative xmlns:adec="http://schemas.microsoft.com/office/drawing/2017/decorative" val="1"/>
-              </a:ext>
-            </a:extLst>
-          </p:cNvPr>
-          <p:cNvSpPr>
-            <a:spLocks noGrp="1" noRot="1" noChangeAspect="1" noMove="1" noResize="1" noEditPoints="1" noAdjustHandles="1" noChangeArrowheads="1" noChangeShapeType="1" noTextEdit="1"/>
-          </p:cNvSpPr>
-          <p:nvPr>
-            <p:extLst>
-              <p:ext uri="{386F3935-93C4-4BCD-93E2-E3B085C9AB24}">
-                <p16:designElem xmlns:p16="http://schemas.microsoft.com/office/powerpoint/2015/main" val="1"/>
-              </p:ext>
-            </p:extLst>
-          </p:nvPr>
-        </p:nvSpPr>
-        <p:spPr>
-          <a:xfrm>
-            <a:off x="-1" y="0"/>
-            <a:ext cx="12188952" cy="6858000"/>
-          </a:xfrm>
-          <a:prstGeom prst="rect">
-            <a:avLst/>
-          </a:prstGeom>
-          <a:ln>
-            <a:noFill/>
-          </a:ln>
-        </p:spPr>
-        <p:style>
-          <a:lnRef idx="2">
-            <a:schemeClr val="accent1">
-              <a:shade val="50000"/>
-            </a:schemeClr>
-          </a:lnRef>
-          <a:fillRef idx="1">
-            <a:schemeClr val="accent1"/>
-          </a:fillRef>
-          <a:effectRef idx="0">
-            <a:schemeClr val="accent1"/>
-          </a:effectRef>
-          <a:fontRef idx="minor">
-            <a:schemeClr val="lt1"/>
-          </a:fontRef>
-        </p:style>
-        <p:txBody>
-          <a:bodyPr rtlCol="0" anchor="ctr"/>
-          <a:lstStyle/>
-          <a:p>
-            <a:pPr algn="ctr"/>
-            <a:endParaRPr lang="en-US"/>
-          </a:p>
-        </p:txBody>
-      </p:sp>
-      <p:sp>
-        <p:nvSpPr>
-          <p:cNvPr id="38" name="Rectangle 10">
-            <a:extLst>
-              <a:ext uri="{FF2B5EF4-FFF2-40B4-BE49-F238E27FC236}">
-                <a16:creationId xmlns:a16="http://schemas.microsoft.com/office/drawing/2014/main" id="{AD23A251-68F2-43E5-812B-4BBAE1AF535E}"/>
-              </a:ext>
-              <a:ext uri="{C183D7F6-B498-43B3-948B-1728B52AA6E4}">
-                <adec:decorative xmlns:adec="http://schemas.microsoft.com/office/drawing/2017/decorative" val="1"/>
-              </a:ext>
-            </a:extLst>
-          </p:cNvPr>
-          <p:cNvSpPr>
-            <a:spLocks noGrp="1" noRot="1" noChangeAspect="1" noMove="1" noResize="1" noEditPoints="1" noAdjustHandles="1" noChangeArrowheads="1" noChangeShapeType="1" noTextEdit="1"/>
-          </p:cNvSpPr>
-          <p:nvPr>
-            <p:extLst>
-              <p:ext uri="{386F3935-93C4-4BCD-93E2-E3B085C9AB24}">
-                <p16:designElem xmlns:p16="http://schemas.microsoft.com/office/powerpoint/2015/main" val="1"/>
-              </p:ext>
-            </p:extLst>
-          </p:nvPr>
-        </p:nvSpPr>
-        <p:spPr>
-          <a:xfrm>
-            <a:off x="1524" y="0"/>
-            <a:ext cx="12188952" cy="6858000"/>
-          </a:xfrm>
-          <a:prstGeom prst="rect">
-            <a:avLst/>
-          </a:prstGeom>
-          <a:solidFill>
-            <a:srgbClr val="000000"/>
-          </a:solidFill>
-          <a:ln>
-            <a:noFill/>
-          </a:ln>
-        </p:spPr>
-        <p:style>
-          <a:lnRef idx="2">
-            <a:schemeClr val="accent1">
-              <a:shade val="50000"/>
-            </a:schemeClr>
-          </a:lnRef>
-          <a:fillRef idx="1">
-            <a:schemeClr val="accent1"/>
-          </a:fillRef>
-          <a:effectRef idx="0">
-            <a:schemeClr val="accent1"/>
-          </a:effectRef>
-          <a:fontRef idx="minor">
-            <a:schemeClr val="lt1"/>
-          </a:fontRef>
-        </p:style>
-        <p:txBody>
-          <a:bodyPr rtlCol="0" anchor="ctr"/>
-          <a:lstStyle/>
-          <a:p>
-            <a:pPr algn="ctr"/>
-            <a:endParaRPr lang="en-US" sz="900">
-              <a:solidFill>
-                <a:schemeClr val="bg1"/>
-              </a:solidFill>
-              <a:latin typeface="+mj-lt"/>
-            </a:endParaRPr>
-          </a:p>
-        </p:txBody>
-      </p:sp>
       <p:pic>
         <p:nvPicPr>
-          <p:cNvPr id="39" name="Picture 3" descr="Windmill turbine at night against Milky Way">
-            <a:extLst>
-              <a:ext uri="{FF2B5EF4-FFF2-40B4-BE49-F238E27FC236}">
-                <a16:creationId xmlns:a16="http://schemas.microsoft.com/office/drawing/2014/main" id="{703E4123-64D1-4B86-A36F-B39D1019F851}"/>
+          <p:cNvPr id="5" name="Рисунок 4">
+            <a:extLst>
+              <a:ext uri="{FF2B5EF4-FFF2-40B4-BE49-F238E27FC236}">
+                <a16:creationId xmlns:a16="http://schemas.microsoft.com/office/drawing/2014/main" id="{469308CA-23C1-4A09-895A-625936A475DE}"/>
               </a:ext>
             </a:extLst>
           </p:cNvPr>
@@ -4804,558 +4668,37 @@
           </p:cNvPicPr>
           <p:nvPr/>
         </p:nvPicPr>
-        <p:blipFill rotWithShape="1">
+        <p:blipFill>
           <a:blip r:embed="rId2">
-            <a:alphaModFix amt="40000"/>
+            <a:extLst>
+              <a:ext uri="{28A0092B-C50C-407E-A947-70E740481C1C}">
+                <a14:useLocalDpi xmlns:a14="http://schemas.microsoft.com/office/drawing/2010/main" val="0"/>
+              </a:ext>
+            </a:extLst>
           </a:blip>
-          <a:srcRect t="15644" r="6" b="6"/>
-          <a:stretch/>
+          <a:stretch>
+            <a:fillRect/>
+          </a:stretch>
         </p:blipFill>
         <p:spPr>
           <a:xfrm>
-            <a:off x="1525" y="10"/>
-            <a:ext cx="12188951" cy="6857990"/>
+            <a:off x="0" y="0"/>
+            <a:ext cx="12192000" cy="6858000"/>
           </a:xfrm>
           <a:prstGeom prst="rect">
             <a:avLst/>
           </a:prstGeom>
         </p:spPr>
       </p:pic>
-      <p:grpSp>
-        <p:nvGrpSpPr>
-          <p:cNvPr id="40" name="decorative circle">
-            <a:extLst>
-              <a:ext uri="{FF2B5EF4-FFF2-40B4-BE49-F238E27FC236}">
-                <a16:creationId xmlns:a16="http://schemas.microsoft.com/office/drawing/2014/main" id="{0350AF23-2606-421F-AB7B-23D9B48F3E9B}"/>
-              </a:ext>
-              <a:ext uri="{C183D7F6-B498-43B3-948B-1728B52AA6E4}">
-                <adec:decorative xmlns:adec="http://schemas.microsoft.com/office/drawing/2017/decorative" val="1"/>
-              </a:ext>
-            </a:extLst>
-          </p:cNvPr>
-          <p:cNvGrpSpPr>
-            <a:grpSpLocks noGrp="1" noUngrp="1" noRot="1" noChangeAspect="1" noMove="1" noResize="1"/>
-          </p:cNvGrpSpPr>
-          <p:nvPr>
-            <p:extLst>
-              <p:ext uri="{386F3935-93C4-4BCD-93E2-E3B085C9AB24}">
-                <p16:designElem xmlns:p16="http://schemas.microsoft.com/office/powerpoint/2015/main" val="1"/>
-              </p:ext>
-            </p:extLst>
-          </p:nvPr>
-        </p:nvGrpSpPr>
-        <p:grpSpPr>
-          <a:xfrm>
-            <a:off x="314102" y="236341"/>
-            <a:ext cx="11340713" cy="5464029"/>
-            <a:chOff x="314102" y="236341"/>
-            <a:chExt cx="11340713" cy="5464029"/>
-          </a:xfrm>
-        </p:grpSpPr>
-        <p:sp>
-          <p:nvSpPr>
-            <p:cNvPr id="41" name="Oval 13">
-              <a:extLst>
-                <a:ext uri="{FF2B5EF4-FFF2-40B4-BE49-F238E27FC236}">
-                  <a16:creationId xmlns:a16="http://schemas.microsoft.com/office/drawing/2014/main" id="{526A544A-3C76-4502-A741-F4DB0E2CD2FD}"/>
-                </a:ext>
-                <a:ext uri="{C183D7F6-B498-43B3-948B-1728B52AA6E4}">
-                  <adec:decorative xmlns:adec="http://schemas.microsoft.com/office/drawing/2017/decorative" val="1"/>
-                </a:ext>
-              </a:extLst>
-            </p:cNvPr>
-            <p:cNvSpPr/>
-            <p:nvPr>
-              <p:extLst>
-                <p:ext uri="{386F3935-93C4-4BCD-93E2-E3B085C9AB24}">
-                  <p16:designElem xmlns:p16="http://schemas.microsoft.com/office/powerpoint/2015/main" val="1"/>
-                </p:ext>
-              </p:extLst>
-            </p:nvPr>
-          </p:nvSpPr>
-          <p:spPr>
-            <a:xfrm>
-              <a:off x="7760448" y="3803994"/>
-              <a:ext cx="94160" cy="94160"/>
-            </a:xfrm>
-            <a:prstGeom prst="ellipse">
-              <a:avLst/>
-            </a:prstGeom>
-            <a:solidFill>
-              <a:srgbClr val="E3BEBE">
-                <a:alpha val="28000"/>
-              </a:srgbClr>
-            </a:solidFill>
-            <a:ln>
-              <a:noFill/>
-            </a:ln>
-          </p:spPr>
-          <p:style>
-            <a:lnRef idx="2">
-              <a:schemeClr val="accent1">
-                <a:shade val="50000"/>
-              </a:schemeClr>
-            </a:lnRef>
-            <a:fillRef idx="1">
-              <a:schemeClr val="accent1"/>
-            </a:fillRef>
-            <a:effectRef idx="0">
-              <a:schemeClr val="accent1"/>
-            </a:effectRef>
-            <a:fontRef idx="minor">
-              <a:schemeClr val="lt1"/>
-            </a:fontRef>
-          </p:style>
-          <p:txBody>
-            <a:bodyPr rtlCol="0" anchor="ctr"/>
-            <a:lstStyle/>
-            <a:p>
-              <a:pPr algn="ctr"/>
-              <a:endParaRPr lang="en-US"/>
-            </a:p>
-          </p:txBody>
-        </p:sp>
-        <p:sp>
-          <p:nvSpPr>
-            <p:cNvPr id="42" name="Oval 14">
-              <a:extLst>
-                <a:ext uri="{FF2B5EF4-FFF2-40B4-BE49-F238E27FC236}">
-                  <a16:creationId xmlns:a16="http://schemas.microsoft.com/office/drawing/2014/main" id="{017B8593-D171-47B5-8D1A-E34E7B138476}"/>
-                </a:ext>
-                <a:ext uri="{C183D7F6-B498-43B3-948B-1728B52AA6E4}">
-                  <adec:decorative xmlns:adec="http://schemas.microsoft.com/office/drawing/2017/decorative" val="1"/>
-                </a:ext>
-              </a:extLst>
-            </p:cNvPr>
-            <p:cNvSpPr/>
-            <p:nvPr>
-              <p:extLst>
-                <p:ext uri="{386F3935-93C4-4BCD-93E2-E3B085C9AB24}">
-                  <p16:designElem xmlns:p16="http://schemas.microsoft.com/office/powerpoint/2015/main" val="1"/>
-                </p:ext>
-              </p:extLst>
-            </p:nvPr>
-          </p:nvSpPr>
-          <p:spPr>
-            <a:xfrm>
-              <a:off x="314102" y="3044381"/>
-              <a:ext cx="226735" cy="226735"/>
-            </a:xfrm>
-            <a:prstGeom prst="ellipse">
-              <a:avLst/>
-            </a:prstGeom>
-            <a:solidFill>
-              <a:schemeClr val="tx2">
-                <a:lumMod val="50000"/>
-                <a:lumOff val="50000"/>
-              </a:schemeClr>
-            </a:solidFill>
-            <a:ln>
-              <a:noFill/>
-            </a:ln>
-          </p:spPr>
-          <p:style>
-            <a:lnRef idx="2">
-              <a:schemeClr val="accent1">
-                <a:shade val="50000"/>
-              </a:schemeClr>
-            </a:lnRef>
-            <a:fillRef idx="1">
-              <a:schemeClr val="accent1"/>
-            </a:fillRef>
-            <a:effectRef idx="0">
-              <a:schemeClr val="accent1"/>
-            </a:effectRef>
-            <a:fontRef idx="minor">
-              <a:schemeClr val="lt1"/>
-            </a:fontRef>
-          </p:style>
-          <p:txBody>
-            <a:bodyPr rtlCol="0" anchor="ctr"/>
-            <a:lstStyle/>
-            <a:p>
-              <a:pPr algn="ctr"/>
-              <a:endParaRPr lang="en-US"/>
-            </a:p>
-          </p:txBody>
-        </p:sp>
-        <p:sp>
-          <p:nvSpPr>
-            <p:cNvPr id="43" name="Oval 15">
-              <a:extLst>
-                <a:ext uri="{FF2B5EF4-FFF2-40B4-BE49-F238E27FC236}">
-                  <a16:creationId xmlns:a16="http://schemas.microsoft.com/office/drawing/2014/main" id="{1FEF60D4-64F6-450F-B86D-383EEA1C843F}"/>
-                </a:ext>
-                <a:ext uri="{C183D7F6-B498-43B3-948B-1728B52AA6E4}">
-                  <adec:decorative xmlns:adec="http://schemas.microsoft.com/office/drawing/2017/decorative" val="1"/>
-                </a:ext>
-              </a:extLst>
-            </p:cNvPr>
-            <p:cNvSpPr/>
-            <p:nvPr>
-              <p:extLst>
-                <p:ext uri="{386F3935-93C4-4BCD-93E2-E3B085C9AB24}">
-                  <p16:designElem xmlns:p16="http://schemas.microsoft.com/office/powerpoint/2015/main" val="1"/>
-                </p:ext>
-              </p:extLst>
-            </p:nvPr>
-          </p:nvSpPr>
-          <p:spPr>
-            <a:xfrm>
-              <a:off x="11188374" y="386135"/>
-              <a:ext cx="466441" cy="466441"/>
-            </a:xfrm>
-            <a:prstGeom prst="ellipse">
-              <a:avLst/>
-            </a:prstGeom>
-            <a:solidFill>
-              <a:schemeClr val="accent2">
-                <a:lumMod val="60000"/>
-                <a:lumOff val="40000"/>
-                <a:alpha val="72000"/>
-              </a:schemeClr>
-            </a:solidFill>
-            <a:ln>
-              <a:noFill/>
-            </a:ln>
-          </p:spPr>
-          <p:style>
-            <a:lnRef idx="2">
-              <a:schemeClr val="accent1">
-                <a:shade val="50000"/>
-              </a:schemeClr>
-            </a:lnRef>
-            <a:fillRef idx="1">
-              <a:schemeClr val="accent1"/>
-            </a:fillRef>
-            <a:effectRef idx="0">
-              <a:schemeClr val="accent1"/>
-            </a:effectRef>
-            <a:fontRef idx="minor">
-              <a:schemeClr val="lt1"/>
-            </a:fontRef>
-          </p:style>
-          <p:txBody>
-            <a:bodyPr rtlCol="0" anchor="ctr"/>
-            <a:lstStyle/>
-            <a:p>
-              <a:pPr algn="ctr"/>
-              <a:endParaRPr lang="en-US"/>
-            </a:p>
-          </p:txBody>
-        </p:sp>
-        <p:sp>
-          <p:nvSpPr>
-            <p:cNvPr id="44" name="Oval 16">
-              <a:extLst>
-                <a:ext uri="{FF2B5EF4-FFF2-40B4-BE49-F238E27FC236}">
-                  <a16:creationId xmlns:a16="http://schemas.microsoft.com/office/drawing/2014/main" id="{A97D4A7C-B520-46CB-9A94-711F53997BDB}"/>
-                </a:ext>
-                <a:ext uri="{C183D7F6-B498-43B3-948B-1728B52AA6E4}">
-                  <adec:decorative xmlns:adec="http://schemas.microsoft.com/office/drawing/2017/decorative" val="1"/>
-                </a:ext>
-              </a:extLst>
-            </p:cNvPr>
-            <p:cNvSpPr/>
-            <p:nvPr>
-              <p:extLst>
-                <p:ext uri="{386F3935-93C4-4BCD-93E2-E3B085C9AB24}">
-                  <p16:designElem xmlns:p16="http://schemas.microsoft.com/office/powerpoint/2015/main" val="1"/>
-                </p:ext>
-              </p:extLst>
-            </p:nvPr>
-          </p:nvSpPr>
-          <p:spPr>
-            <a:xfrm>
-              <a:off x="11065714" y="236341"/>
-              <a:ext cx="113367" cy="113367"/>
-            </a:xfrm>
-            <a:prstGeom prst="ellipse">
-              <a:avLst/>
-            </a:prstGeom>
-            <a:solidFill>
-              <a:srgbClr val="F39E29"/>
-            </a:solidFill>
-            <a:ln>
-              <a:noFill/>
-            </a:ln>
-          </p:spPr>
-          <p:style>
-            <a:lnRef idx="2">
-              <a:schemeClr val="accent1">
-                <a:shade val="50000"/>
-              </a:schemeClr>
-            </a:lnRef>
-            <a:fillRef idx="1">
-              <a:schemeClr val="accent1"/>
-            </a:fillRef>
-            <a:effectRef idx="0">
-              <a:schemeClr val="accent1"/>
-            </a:effectRef>
-            <a:fontRef idx="minor">
-              <a:schemeClr val="lt1"/>
-            </a:fontRef>
-          </p:style>
-          <p:txBody>
-            <a:bodyPr rtlCol="0" anchor="ctr"/>
-            <a:lstStyle/>
-            <a:p>
-              <a:pPr algn="ctr"/>
-              <a:endParaRPr lang="en-US"/>
-            </a:p>
-          </p:txBody>
-        </p:sp>
-        <p:sp>
-          <p:nvSpPr>
-            <p:cNvPr id="45" name="Oval 17">
-              <a:extLst>
-                <a:ext uri="{FF2B5EF4-FFF2-40B4-BE49-F238E27FC236}">
-                  <a16:creationId xmlns:a16="http://schemas.microsoft.com/office/drawing/2014/main" id="{2B7B976F-E84B-4936-90D7-C8298A5E7BD0}"/>
-                </a:ext>
-                <a:ext uri="{C183D7F6-B498-43B3-948B-1728B52AA6E4}">
-                  <adec:decorative xmlns:adec="http://schemas.microsoft.com/office/drawing/2017/decorative" val="1"/>
-                </a:ext>
-              </a:extLst>
-            </p:cNvPr>
-            <p:cNvSpPr/>
-            <p:nvPr>
-              <p:extLst>
-                <p:ext uri="{386F3935-93C4-4BCD-93E2-E3B085C9AB24}">
-                  <p16:designElem xmlns:p16="http://schemas.microsoft.com/office/powerpoint/2015/main" val="1"/>
-                </p:ext>
-              </p:extLst>
-            </p:nvPr>
-          </p:nvSpPr>
-          <p:spPr>
-            <a:xfrm>
-              <a:off x="751535" y="2516671"/>
-              <a:ext cx="466441" cy="466441"/>
-            </a:xfrm>
-            <a:prstGeom prst="ellipse">
-              <a:avLst/>
-            </a:prstGeom>
-            <a:solidFill>
-              <a:schemeClr val="accent1"/>
-            </a:solidFill>
-            <a:ln>
-              <a:noFill/>
-            </a:ln>
-          </p:spPr>
-          <p:style>
-            <a:lnRef idx="2">
-              <a:schemeClr val="accent1">
-                <a:shade val="50000"/>
-              </a:schemeClr>
-            </a:lnRef>
-            <a:fillRef idx="1">
-              <a:schemeClr val="accent1"/>
-            </a:fillRef>
-            <a:effectRef idx="0">
-              <a:schemeClr val="accent1"/>
-            </a:effectRef>
-            <a:fontRef idx="minor">
-              <a:schemeClr val="lt1"/>
-            </a:fontRef>
-          </p:style>
-          <p:txBody>
-            <a:bodyPr rtlCol="0" anchor="ctr"/>
-            <a:lstStyle/>
-            <a:p>
-              <a:pPr algn="ctr"/>
-              <a:endParaRPr lang="en-US"/>
-            </a:p>
-          </p:txBody>
-        </p:sp>
-        <p:sp>
-          <p:nvSpPr>
-            <p:cNvPr id="46" name="Oval 18">
-              <a:extLst>
-                <a:ext uri="{FF2B5EF4-FFF2-40B4-BE49-F238E27FC236}">
-                  <a16:creationId xmlns:a16="http://schemas.microsoft.com/office/drawing/2014/main" id="{DC91FFEC-59DF-4D22-A925-F5152076924B}"/>
-                </a:ext>
-                <a:ext uri="{C183D7F6-B498-43B3-948B-1728B52AA6E4}">
-                  <adec:decorative xmlns:adec="http://schemas.microsoft.com/office/drawing/2017/decorative" val="1"/>
-                </a:ext>
-              </a:extLst>
-            </p:cNvPr>
-            <p:cNvSpPr/>
-            <p:nvPr>
-              <p:extLst>
-                <p:ext uri="{386F3935-93C4-4BCD-93E2-E3B085C9AB24}">
-                  <p16:designElem xmlns:p16="http://schemas.microsoft.com/office/powerpoint/2015/main" val="1"/>
-                </p:ext>
-              </p:extLst>
-            </p:nvPr>
-          </p:nvSpPr>
-          <p:spPr>
-            <a:xfrm>
-              <a:off x="11230142" y="4588038"/>
-              <a:ext cx="113367" cy="113367"/>
-            </a:xfrm>
-            <a:prstGeom prst="ellipse">
-              <a:avLst/>
-            </a:prstGeom>
-            <a:solidFill>
-              <a:schemeClr val="accent3"/>
-            </a:solidFill>
-            <a:ln>
-              <a:noFill/>
-            </a:ln>
-          </p:spPr>
-          <p:style>
-            <a:lnRef idx="2">
-              <a:schemeClr val="accent1">
-                <a:shade val="50000"/>
-              </a:schemeClr>
-            </a:lnRef>
-            <a:fillRef idx="1">
-              <a:schemeClr val="accent1"/>
-            </a:fillRef>
-            <a:effectRef idx="0">
-              <a:schemeClr val="accent1"/>
-            </a:effectRef>
-            <a:fontRef idx="minor">
-              <a:schemeClr val="lt1"/>
-            </a:fontRef>
-          </p:style>
-          <p:txBody>
-            <a:bodyPr rtlCol="0" anchor="ctr"/>
-            <a:lstStyle/>
-            <a:p>
-              <a:pPr algn="ctr"/>
-              <a:endParaRPr lang="en-US"/>
-            </a:p>
-          </p:txBody>
-        </p:sp>
-        <p:sp>
-          <p:nvSpPr>
-            <p:cNvPr id="47" name="Oval 19">
-              <a:extLst>
-                <a:ext uri="{FF2B5EF4-FFF2-40B4-BE49-F238E27FC236}">
-                  <a16:creationId xmlns:a16="http://schemas.microsoft.com/office/drawing/2014/main" id="{58931E95-0847-47E4-8AEC-312312A03232}"/>
-                </a:ext>
-                <a:ext uri="{C183D7F6-B498-43B3-948B-1728B52AA6E4}">
-                  <adec:decorative xmlns:adec="http://schemas.microsoft.com/office/drawing/2017/decorative" val="1"/>
-                </a:ext>
-              </a:extLst>
-            </p:cNvPr>
-            <p:cNvSpPr/>
-            <p:nvPr>
-              <p:extLst>
-                <p:ext uri="{386F3935-93C4-4BCD-93E2-E3B085C9AB24}">
-                  <p16:designElem xmlns:p16="http://schemas.microsoft.com/office/powerpoint/2015/main" val="1"/>
-                </p:ext>
-              </p:extLst>
-            </p:nvPr>
-          </p:nvSpPr>
-          <p:spPr>
-            <a:xfrm>
-              <a:off x="10902046" y="5394590"/>
-              <a:ext cx="305780" cy="305780"/>
-            </a:xfrm>
-            <a:prstGeom prst="ellipse">
-              <a:avLst/>
-            </a:prstGeom>
-            <a:solidFill>
-              <a:schemeClr val="accent1">
-                <a:lumMod val="40000"/>
-                <a:lumOff val="60000"/>
-              </a:schemeClr>
-            </a:solidFill>
-            <a:ln>
-              <a:noFill/>
-            </a:ln>
-          </p:spPr>
-          <p:style>
-            <a:lnRef idx="2">
-              <a:schemeClr val="accent1">
-                <a:shade val="50000"/>
-              </a:schemeClr>
-            </a:lnRef>
-            <a:fillRef idx="1">
-              <a:schemeClr val="accent1"/>
-            </a:fillRef>
-            <a:effectRef idx="0">
-              <a:schemeClr val="accent1"/>
-            </a:effectRef>
-            <a:fontRef idx="minor">
-              <a:schemeClr val="lt1"/>
-            </a:fontRef>
-          </p:style>
-          <p:txBody>
-            <a:bodyPr rtlCol="0" anchor="ctr"/>
-            <a:lstStyle/>
-            <a:p>
-              <a:pPr algn="ctr"/>
-              <a:endParaRPr lang="en-US"/>
-            </a:p>
-          </p:txBody>
-        </p:sp>
-        <p:sp>
-          <p:nvSpPr>
-            <p:cNvPr id="48" name="Oval 20">
-              <a:extLst>
-                <a:ext uri="{FF2B5EF4-FFF2-40B4-BE49-F238E27FC236}">
-                  <a16:creationId xmlns:a16="http://schemas.microsoft.com/office/drawing/2014/main" id="{3C094915-EF93-49A0-9B90-C44FB9B5007A}"/>
-                </a:ext>
-                <a:ext uri="{C183D7F6-B498-43B3-948B-1728B52AA6E4}">
-                  <adec:decorative xmlns:adec="http://schemas.microsoft.com/office/drawing/2017/decorative" val="1"/>
-                </a:ext>
-              </a:extLst>
-            </p:cNvPr>
-            <p:cNvSpPr/>
-            <p:nvPr>
-              <p:extLst>
-                <p:ext uri="{386F3935-93C4-4BCD-93E2-E3B085C9AB24}">
-                  <p16:designElem xmlns:p16="http://schemas.microsoft.com/office/powerpoint/2015/main" val="1"/>
-                </p:ext>
-              </p:extLst>
-            </p:nvPr>
-          </p:nvSpPr>
-          <p:spPr>
-            <a:xfrm>
-              <a:off x="10408287" y="5160714"/>
-              <a:ext cx="113367" cy="113367"/>
-            </a:xfrm>
-            <a:prstGeom prst="ellipse">
-              <a:avLst/>
-            </a:prstGeom>
-            <a:solidFill>
-              <a:schemeClr val="accent5"/>
-            </a:solidFill>
-            <a:ln>
-              <a:noFill/>
-            </a:ln>
-          </p:spPr>
-          <p:style>
-            <a:lnRef idx="2">
-              <a:schemeClr val="accent1">
-                <a:shade val="50000"/>
-              </a:schemeClr>
-            </a:lnRef>
-            <a:fillRef idx="1">
-              <a:schemeClr val="accent1"/>
-            </a:fillRef>
-            <a:effectRef idx="0">
-              <a:schemeClr val="accent1"/>
-            </a:effectRef>
-            <a:fontRef idx="minor">
-              <a:schemeClr val="lt1"/>
-            </a:fontRef>
-          </p:style>
-          <p:txBody>
-            <a:bodyPr rtlCol="0" anchor="ctr"/>
-            <a:lstStyle/>
-            <a:p>
-              <a:pPr algn="ctr"/>
-              <a:endParaRPr lang="en-US"/>
-            </a:p>
-          </p:txBody>
-        </p:sp>
-      </p:grpSp>
-      <p:sp>
-        <p:nvSpPr>
-          <p:cNvPr id="2" name="Заголовок 1"/>
+      <p:sp>
+        <p:nvSpPr>
+          <p:cNvPr id="2" name="Заголовок 1">
+            <a:extLst>
+              <a:ext uri="{FF2B5EF4-FFF2-40B4-BE49-F238E27FC236}">
+                <a16:creationId xmlns:a16="http://schemas.microsoft.com/office/drawing/2014/main" id="{3D8A947D-FE13-473E-A0FD-614F6B59D9A6}"/>
+              </a:ext>
+            </a:extLst>
+          </p:cNvPr>
           <p:cNvSpPr>
             <a:spLocks noGrp="1"/>
           </p:cNvSpPr>
@@ -5365,72 +4708,25 @@
         </p:nvSpPr>
         <p:spPr>
           <a:xfrm>
-            <a:off x="2562606" y="1122363"/>
-            <a:ext cx="7063739" cy="2387600"/>
+            <a:off x="1524000" y="2850885"/>
+            <a:ext cx="9144000" cy="1156230"/>
           </a:xfrm>
         </p:spPr>
         <p:txBody>
-          <a:bodyPr>
-            <a:normAutofit/>
-          </a:bodyPr>
+          <a:bodyPr/>
           <a:lstStyle/>
           <a:p>
             <a:r>
-              <a:rPr lang="ru-RU" sz="6000" dirty="0" err="1">
+              <a:rPr lang="en-US" dirty="0">
                 <a:solidFill>
-                  <a:srgbClr val="FFFFFF"/>
+                  <a:schemeClr val="bg1"/>
                 </a:solidFill>
               </a:rPr>
-              <a:t>Warriors</a:t>
-            </a:r>
-            <a:br>
-              <a:rPr lang="ru-RU" sz="6000" dirty="0"/>
-            </a:br>
-            <a:r>
-              <a:rPr lang="ru-RU" sz="6000" dirty="0">
-                <a:solidFill>
-                  <a:srgbClr val="FFFFFF"/>
-                </a:solidFill>
-              </a:rPr>
-              <a:t> </a:t>
-            </a:r>
-            <a:r>
-              <a:rPr lang="ru-RU" sz="6000" dirty="0">
-                <a:solidFill>
-                  <a:srgbClr val="FFFFFF"/>
-                </a:solidFill>
-                <a:cs typeface="Calibri Light"/>
-              </a:rPr>
-              <a:t>Of The Galaxy</a:t>
-            </a:r>
-          </a:p>
-        </p:txBody>
-      </p:sp>
-      <p:sp>
-        <p:nvSpPr>
-          <p:cNvPr id="3" name="Подзаголовок 2"/>
-          <p:cNvSpPr>
-            <a:spLocks noGrp="1"/>
-          </p:cNvSpPr>
-          <p:nvPr>
-            <p:ph type="subTitle" idx="1"/>
-          </p:nvPr>
-        </p:nvSpPr>
-        <p:spPr>
-          <a:xfrm>
-            <a:off x="2562606" y="3602038"/>
-            <a:ext cx="7063739" cy="1655762"/>
-          </a:xfrm>
-        </p:spPr>
-        <p:txBody>
-          <a:bodyPr>
-            <a:normAutofit/>
-          </a:bodyPr>
-          <a:lstStyle/>
-          <a:p>
-            <a:endParaRPr lang="ru-RU">
+              <a:t>Warriors Of The Galaxy</a:t>
+            </a:r>
+            <a:endParaRPr lang="ru-RU" dirty="0">
               <a:solidFill>
-                <a:srgbClr val="FFFFFF"/>
+                <a:schemeClr val="bg1"/>
               </a:solidFill>
             </a:endParaRPr>
           </a:p>
@@ -5439,105 +4735,13 @@
     </p:spTree>
     <p:extLst>
       <p:ext uri="{BB962C8B-B14F-4D97-AF65-F5344CB8AC3E}">
-        <p14:creationId xmlns:p14="http://schemas.microsoft.com/office/powerpoint/2010/main" val="1351651579"/>
+        <p14:creationId xmlns:p14="http://schemas.microsoft.com/office/powerpoint/2010/main" val="3524597767"/>
       </p:ext>
     </p:extLst>
   </p:cSld>
   <p:clrMapOvr>
     <a:masterClrMapping/>
   </p:clrMapOvr>
-  <p:timing>
-    <p:tnLst>
-      <p:par>
-        <p:cTn id="1" dur="indefinite" restart="never" nodeType="tmRoot">
-          <p:childTnLst>
-            <p:seq concurrent="1" nextAc="seek">
-              <p:cTn id="2" dur="indefinite" nodeType="mainSeq">
-                <p:childTnLst>
-                  <p:par>
-                    <p:cTn id="3" fill="hold">
-                      <p:stCondLst>
-                        <p:cond delay="indefinite"/>
-                        <p:cond evt="onBegin" delay="0">
-                          <p:tn val="2"/>
-                        </p:cond>
-                      </p:stCondLst>
-                      <p:childTnLst>
-                        <p:par>
-                          <p:cTn id="4" fill="hold">
-                            <p:stCondLst>
-                              <p:cond delay="0"/>
-                            </p:stCondLst>
-                            <p:childTnLst>
-                              <p:par>
-                                <p:cTn id="5" presetID="10" presetClass="entr" presetSubtype="0" fill="hold" grpId="0" nodeType="withEffect">
-                                  <p:stCondLst>
-                                    <p:cond delay="1000"/>
-                                  </p:stCondLst>
-                                  <p:iterate type="lt">
-                                    <p:tmPct val="10000"/>
-                                  </p:iterate>
-                                  <p:childTnLst>
-                                    <p:set>
-                                      <p:cBhvr>
-                                        <p:cTn id="6" dur="1" fill="hold">
-                                          <p:stCondLst>
-                                            <p:cond delay="0"/>
-                                          </p:stCondLst>
-                                        </p:cTn>
-                                        <p:tgtEl>
-                                          <p:spTgt spid="2"/>
-                                        </p:tgtEl>
-                                        <p:attrNameLst>
-                                          <p:attrName>style.visibility</p:attrName>
-                                        </p:attrNameLst>
-                                      </p:cBhvr>
-                                      <p:to>
-                                        <p:strVal val="visible"/>
-                                      </p:to>
-                                    </p:set>
-                                    <p:animEffect transition="in" filter="fade">
-                                      <p:cBhvr>
-                                        <p:cTn id="7" dur="400"/>
-                                        <p:tgtEl>
-                                          <p:spTgt spid="2"/>
-                                        </p:tgtEl>
-                                      </p:cBhvr>
-                                    </p:animEffect>
-                                  </p:childTnLst>
-                                </p:cTn>
-                              </p:par>
-                            </p:childTnLst>
-                          </p:cTn>
-                        </p:par>
-                      </p:childTnLst>
-                    </p:cTn>
-                  </p:par>
-                </p:childTnLst>
-              </p:cTn>
-              <p:prevCondLst>
-                <p:cond evt="onPrev" delay="0">
-                  <p:tgtEl>
-                    <p:sldTgt/>
-                  </p:tgtEl>
-                </p:cond>
-              </p:prevCondLst>
-              <p:nextCondLst>
-                <p:cond evt="onNext" delay="0">
-                  <p:tgtEl>
-                    <p:sldTgt/>
-                  </p:tgtEl>
-                </p:cond>
-              </p:nextCondLst>
-            </p:seq>
-          </p:childTnLst>
-        </p:cTn>
-      </p:par>
-    </p:tnLst>
-    <p:bldLst>
-      <p:bldP spid="2" grpId="0"/>
-    </p:bldLst>
-  </p:timing>
 </p:sld>
 </file>
 
@@ -5558,6 +4762,42 @@
           <a:chExt cx="0" cy="0"/>
         </a:xfrm>
       </p:grpSpPr>
+      <p:pic>
+        <p:nvPicPr>
+          <p:cNvPr id="9" name="Рисунок 8">
+            <a:extLst>
+              <a:ext uri="{FF2B5EF4-FFF2-40B4-BE49-F238E27FC236}">
+                <a16:creationId xmlns:a16="http://schemas.microsoft.com/office/drawing/2014/main" id="{DD68A436-3FC2-43B6-AA38-AB2A9BE3F544}"/>
+              </a:ext>
+            </a:extLst>
+          </p:cNvPr>
+          <p:cNvPicPr>
+            <a:picLocks noChangeAspect="1"/>
+          </p:cNvPicPr>
+          <p:nvPr/>
+        </p:nvPicPr>
+        <p:blipFill>
+          <a:blip r:embed="rId2">
+            <a:extLst>
+              <a:ext uri="{28A0092B-C50C-407E-A947-70E740481C1C}">
+                <a14:useLocalDpi xmlns:a14="http://schemas.microsoft.com/office/drawing/2010/main" val="0"/>
+              </a:ext>
+            </a:extLst>
+          </a:blip>
+          <a:stretch>
+            <a:fillRect/>
+          </a:stretch>
+        </p:blipFill>
+        <p:spPr>
+          <a:xfrm>
+            <a:off x="0" y="0"/>
+            <a:ext cx="12191999" cy="6858000"/>
+          </a:xfrm>
+          <a:prstGeom prst="rect">
+            <a:avLst/>
+          </a:prstGeom>
+        </p:spPr>
+      </p:pic>
       <p:sp>
         <p:nvSpPr>
           <p:cNvPr id="2" name="Заголовок 1">
@@ -5574,7 +4814,12 @@
             <p:ph type="title"/>
           </p:nvPr>
         </p:nvSpPr>
-        <p:spPr/>
+        <p:spPr>
+          <a:xfrm>
+            <a:off x="766445" y="2766218"/>
+            <a:ext cx="10659110" cy="1325563"/>
+          </a:xfrm>
+        </p:spPr>
         <p:txBody>
           <a:bodyPr>
             <a:normAutofit/>
@@ -5583,35 +4828,18 @@
           <a:p>
             <a:pPr algn="ctr"/>
             <a:r>
-              <a:rPr lang="ru-RU" sz="6000" dirty="0"/>
+              <a:rPr lang="ru-RU" sz="6000" dirty="0">
+                <a:solidFill>
+                  <a:schemeClr val="bg1"/>
+                </a:solidFill>
+              </a:rPr>
               <a:t>Благодарим за внимание</a:t>
             </a:r>
-            <a:endParaRPr lang="ru-RU"/>
-          </a:p>
-        </p:txBody>
-      </p:sp>
-      <p:sp>
-        <p:nvSpPr>
-          <p:cNvPr id="3" name="Объект 2">
-            <a:extLst>
-              <a:ext uri="{FF2B5EF4-FFF2-40B4-BE49-F238E27FC236}">
-                <a16:creationId xmlns:a16="http://schemas.microsoft.com/office/drawing/2014/main" id="{5161B27D-DC9E-4000-8E99-7AD4D4E2E971}"/>
-              </a:ext>
-            </a:extLst>
-          </p:cNvPr>
-          <p:cNvSpPr>
-            <a:spLocks noGrp="1"/>
-          </p:cNvSpPr>
-          <p:nvPr>
-            <p:ph idx="1"/>
-          </p:nvPr>
-        </p:nvSpPr>
-        <p:spPr/>
-        <p:txBody>
-          <a:bodyPr/>
-          <a:lstStyle/>
-          <a:p>
-            <a:endParaRPr lang="ru-RU"/>
+            <a:endParaRPr lang="ru-RU" dirty="0">
+              <a:solidFill>
+                <a:schemeClr val="bg1"/>
+              </a:solidFill>
+            </a:endParaRPr>
           </a:p>
         </p:txBody>
       </p:sp>
@@ -5645,6 +4873,42 @@
           <a:chExt cx="0" cy="0"/>
         </a:xfrm>
       </p:grpSpPr>
+      <p:pic>
+        <p:nvPicPr>
+          <p:cNvPr id="5" name="Рисунок 4">
+            <a:extLst>
+              <a:ext uri="{FF2B5EF4-FFF2-40B4-BE49-F238E27FC236}">
+                <a16:creationId xmlns:a16="http://schemas.microsoft.com/office/drawing/2014/main" id="{D0873B9F-60BD-4EC1-B1EB-923E4AB66874}"/>
+              </a:ext>
+            </a:extLst>
+          </p:cNvPr>
+          <p:cNvPicPr>
+            <a:picLocks noChangeAspect="1"/>
+          </p:cNvPicPr>
+          <p:nvPr/>
+        </p:nvPicPr>
+        <p:blipFill>
+          <a:blip r:embed="rId2">
+            <a:extLst>
+              <a:ext uri="{28A0092B-C50C-407E-A947-70E740481C1C}">
+                <a14:useLocalDpi xmlns:a14="http://schemas.microsoft.com/office/drawing/2010/main" val="0"/>
+              </a:ext>
+            </a:extLst>
+          </a:blip>
+          <a:stretch>
+            <a:fillRect/>
+          </a:stretch>
+        </p:blipFill>
+        <p:spPr>
+          <a:xfrm>
+            <a:off x="0" y="0"/>
+            <a:ext cx="12183110" cy="6858000"/>
+          </a:xfrm>
+          <a:prstGeom prst="rect">
+            <a:avLst/>
+          </a:prstGeom>
+        </p:spPr>
+      </p:pic>
       <p:sp>
         <p:nvSpPr>
           <p:cNvPr id="2" name="Заголовок 1">
@@ -5667,7 +4931,11 @@
           <a:lstStyle/>
           <a:p>
             <a:r>
-              <a:rPr lang="ru-RU" dirty="0"/>
+              <a:rPr lang="ru-RU" dirty="0">
+                <a:solidFill>
+                  <a:schemeClr val="bg1"/>
+                </a:solidFill>
+              </a:rPr>
               <a:t>Предыстория игры</a:t>
             </a:r>
           </a:p>
@@ -5698,6 +4966,9 @@
           <a:p>
             <a:r>
               <a:rPr lang="ru-RU" dirty="0">
+                <a:solidFill>
+                  <a:schemeClr val="bg1"/>
+                </a:solidFill>
                 <a:ea typeface="+mn-lt"/>
                 <a:cs typeface="+mn-lt"/>
               </a:rPr>
@@ -5705,12 +4976,18 @@
             </a:r>
             <a:br>
               <a:rPr lang="ru-RU" dirty="0">
+                <a:solidFill>
+                  <a:schemeClr val="bg1"/>
+                </a:solidFill>
                 <a:ea typeface="+mn-lt"/>
                 <a:cs typeface="+mn-lt"/>
               </a:rPr>
             </a:br>
             <a:r>
               <a:rPr lang="ru-RU" dirty="0">
+                <a:solidFill>
+                  <a:schemeClr val="bg1"/>
+                </a:solidFill>
                 <a:ea typeface="+mn-lt"/>
                 <a:cs typeface="+mn-lt"/>
               </a:rPr>
@@ -5718,12 +4995,18 @@
             </a:r>
             <a:br>
               <a:rPr lang="ru-RU" dirty="0">
+                <a:solidFill>
+                  <a:schemeClr val="bg1"/>
+                </a:solidFill>
                 <a:ea typeface="+mn-lt"/>
                 <a:cs typeface="+mn-lt"/>
               </a:rPr>
             </a:br>
             <a:r>
               <a:rPr lang="ru-RU" dirty="0">
+                <a:solidFill>
+                  <a:schemeClr val="bg1"/>
+                </a:solidFill>
                 <a:ea typeface="+mn-lt"/>
                 <a:cs typeface="+mn-lt"/>
               </a:rPr>
@@ -5731,6 +5014,9 @@
             </a:r>
             <a:r>
               <a:rPr lang="ru-RU" dirty="0" err="1">
+                <a:solidFill>
+                  <a:schemeClr val="bg1"/>
+                </a:solidFill>
                 <a:ea typeface="+mn-lt"/>
                 <a:cs typeface="+mn-lt"/>
               </a:rPr>
@@ -5738,6 +5024,9 @@
             </a:r>
             <a:r>
               <a:rPr lang="ru-RU" dirty="0">
+                <a:solidFill>
+                  <a:schemeClr val="bg1"/>
+                </a:solidFill>
                 <a:ea typeface="+mn-lt"/>
                 <a:cs typeface="+mn-lt"/>
               </a:rPr>
@@ -5745,6 +5034,9 @@
             </a:r>
             <a:r>
               <a:rPr lang="ru-RU" dirty="0" err="1">
+                <a:solidFill>
+                  <a:schemeClr val="bg1"/>
+                </a:solidFill>
                 <a:ea typeface="+mn-lt"/>
                 <a:cs typeface="+mn-lt"/>
               </a:rPr>
@@ -5752,6 +5044,9 @@
             </a:r>
             <a:r>
               <a:rPr lang="ru-RU" dirty="0">
+                <a:solidFill>
+                  <a:schemeClr val="bg1"/>
+                </a:solidFill>
                 <a:ea typeface="+mn-lt"/>
                 <a:cs typeface="+mn-lt"/>
               </a:rPr>
@@ -5759,12 +5054,18 @@
             </a:r>
             <a:br>
               <a:rPr lang="ru-RU" dirty="0">
+                <a:solidFill>
+                  <a:schemeClr val="bg1"/>
+                </a:solidFill>
                 <a:ea typeface="+mn-lt"/>
                 <a:cs typeface="+mn-lt"/>
               </a:rPr>
             </a:br>
             <a:r>
               <a:rPr lang="ru-RU" dirty="0">
+                <a:solidFill>
+                  <a:schemeClr val="bg1"/>
+                </a:solidFill>
                 <a:ea typeface="+mn-lt"/>
                 <a:cs typeface="+mn-lt"/>
               </a:rPr>
@@ -5772,12 +5073,18 @@
             </a:r>
             <a:br>
               <a:rPr lang="ru-RU" dirty="0">
+                <a:solidFill>
+                  <a:schemeClr val="bg1"/>
+                </a:solidFill>
                 <a:ea typeface="+mn-lt"/>
                 <a:cs typeface="+mn-lt"/>
               </a:rPr>
             </a:br>
             <a:r>
               <a:rPr lang="ru-RU" dirty="0" err="1">
+                <a:solidFill>
+                  <a:schemeClr val="bg1"/>
+                </a:solidFill>
                 <a:ea typeface="+mn-lt"/>
                 <a:cs typeface="+mn-lt"/>
               </a:rPr>
@@ -5785,6 +5092,9 @@
             </a:r>
             <a:r>
               <a:rPr lang="ru-RU" dirty="0">
+                <a:solidFill>
+                  <a:schemeClr val="bg1"/>
+                </a:solidFill>
                 <a:ea typeface="+mn-lt"/>
                 <a:cs typeface="+mn-lt"/>
               </a:rPr>
@@ -5792,18 +5102,28 @@
             </a:r>
             <a:br>
               <a:rPr lang="ru-RU" dirty="0">
+                <a:solidFill>
+                  <a:schemeClr val="bg1"/>
+                </a:solidFill>
                 <a:ea typeface="+mn-lt"/>
                 <a:cs typeface="+mn-lt"/>
               </a:rPr>
             </a:br>
             <a:r>
               <a:rPr lang="ru-RU" dirty="0">
+                <a:solidFill>
+                  <a:schemeClr val="bg1"/>
+                </a:solidFill>
                 <a:ea typeface="+mn-lt"/>
                 <a:cs typeface="+mn-lt"/>
               </a:rPr>
               <a:t>Когда он осознал свое могущество, то понял, что бороться с империей теперь его главная задача.</a:t>
             </a:r>
-            <a:endParaRPr lang="ru-RU" dirty="0"/>
+            <a:endParaRPr lang="ru-RU" dirty="0">
+              <a:solidFill>
+                <a:schemeClr val="bg1"/>
+              </a:solidFill>
+            </a:endParaRPr>
           </a:p>
         </p:txBody>
       </p:sp>
@@ -5837,6 +5157,42 @@
           <a:chExt cx="0" cy="0"/>
         </a:xfrm>
       </p:grpSpPr>
+      <p:pic>
+        <p:nvPicPr>
+          <p:cNvPr id="5" name="Рисунок 4">
+            <a:extLst>
+              <a:ext uri="{FF2B5EF4-FFF2-40B4-BE49-F238E27FC236}">
+                <a16:creationId xmlns:a16="http://schemas.microsoft.com/office/drawing/2014/main" id="{7169E839-8490-4392-8417-EF80758AF507}"/>
+              </a:ext>
+            </a:extLst>
+          </p:cNvPr>
+          <p:cNvPicPr>
+            <a:picLocks noChangeAspect="1"/>
+          </p:cNvPicPr>
+          <p:nvPr/>
+        </p:nvPicPr>
+        <p:blipFill>
+          <a:blip r:embed="rId2">
+            <a:extLst>
+              <a:ext uri="{28A0092B-C50C-407E-A947-70E740481C1C}">
+                <a14:useLocalDpi xmlns:a14="http://schemas.microsoft.com/office/drawing/2010/main" val="0"/>
+              </a:ext>
+            </a:extLst>
+          </a:blip>
+          <a:stretch>
+            <a:fillRect/>
+          </a:stretch>
+        </p:blipFill>
+        <p:spPr>
+          <a:xfrm>
+            <a:off x="0" y="0"/>
+            <a:ext cx="12192000" cy="6858000"/>
+          </a:xfrm>
+          <a:prstGeom prst="rect">
+            <a:avLst/>
+          </a:prstGeom>
+        </p:spPr>
+      </p:pic>
       <p:sp>
         <p:nvSpPr>
           <p:cNvPr id="2" name="Заголовок 1">
@@ -5859,7 +5215,11 @@
           <a:lstStyle/>
           <a:p>
             <a:r>
-              <a:rPr lang="ru-RU" dirty="0"/>
+              <a:rPr lang="ru-RU" dirty="0">
+                <a:solidFill>
+                  <a:schemeClr val="bg1"/>
+                </a:solidFill>
+              </a:rPr>
               <a:t>Достоинства игры</a:t>
             </a:r>
           </a:p>
@@ -5890,6 +5250,9 @@
           <a:p>
             <a:r>
               <a:rPr lang="ru-RU" dirty="0">
+                <a:solidFill>
+                  <a:schemeClr val="bg1"/>
+                </a:solidFill>
                 <a:cs typeface="Calibri"/>
               </a:rPr>
               <a:t>Бесплатная</a:t>
@@ -5903,11 +5266,18 @@
             </a:pPr>
             <a:r>
               <a:rPr lang="ru-RU" dirty="0">
+                <a:solidFill>
+                  <a:schemeClr val="bg1"/>
+                </a:solidFill>
                 <a:cs typeface="Calibri"/>
               </a:rPr>
               <a:t>Хорошая (отличная) оптимизация</a:t>
             </a:r>
-            <a:endParaRPr lang="ru-RU" dirty="0"/>
+            <a:endParaRPr lang="ru-RU" dirty="0">
+              <a:solidFill>
+                <a:schemeClr val="bg1"/>
+              </a:solidFill>
+            </a:endParaRPr>
           </a:p>
           <a:p>
             <a:pPr>
@@ -5917,6 +5287,9 @@
             </a:pPr>
             <a:r>
               <a:rPr lang="ru-RU" dirty="0">
+                <a:solidFill>
+                  <a:schemeClr val="bg1"/>
+                </a:solidFill>
                 <a:cs typeface="Calibri"/>
               </a:rPr>
               <a:t>Интересный геймплей</a:t>
@@ -5930,6 +5303,9 @@
             </a:pPr>
             <a:r>
               <a:rPr lang="ru-RU" dirty="0">
+                <a:solidFill>
+                  <a:schemeClr val="bg1"/>
+                </a:solidFill>
                 <a:cs typeface="Calibri"/>
               </a:rPr>
               <a:t>Захватывающий сюжет</a:t>
@@ -5943,6 +5319,9 @@
             </a:pPr>
             <a:r>
               <a:rPr lang="ru-RU" dirty="0">
+                <a:solidFill>
+                  <a:schemeClr val="bg1"/>
+                </a:solidFill>
                 <a:cs typeface="Calibri"/>
               </a:rPr>
               <a:t>Учтивые разработчики</a:t>
@@ -5956,6 +5335,9 @@
             </a:pPr>
             <a:r>
               <a:rPr lang="ru-RU" dirty="0">
+                <a:solidFill>
+                  <a:schemeClr val="bg1"/>
+                </a:solidFill>
                 <a:cs typeface="Calibri"/>
               </a:rPr>
               <a:t>Открытый код. Можно взломать</a:t>
@@ -5993,6 +5375,42 @@
           <a:chExt cx="0" cy="0"/>
         </a:xfrm>
       </p:grpSpPr>
+      <p:pic>
+        <p:nvPicPr>
+          <p:cNvPr id="4" name="Рисунок 3">
+            <a:extLst>
+              <a:ext uri="{FF2B5EF4-FFF2-40B4-BE49-F238E27FC236}">
+                <a16:creationId xmlns:a16="http://schemas.microsoft.com/office/drawing/2014/main" id="{117014AD-5F86-4D94-ADAA-CC415B9BE630}"/>
+              </a:ext>
+            </a:extLst>
+          </p:cNvPr>
+          <p:cNvPicPr>
+            <a:picLocks noChangeAspect="1"/>
+          </p:cNvPicPr>
+          <p:nvPr/>
+        </p:nvPicPr>
+        <p:blipFill>
+          <a:blip r:embed="rId2">
+            <a:extLst>
+              <a:ext uri="{28A0092B-C50C-407E-A947-70E740481C1C}">
+                <a14:useLocalDpi xmlns:a14="http://schemas.microsoft.com/office/drawing/2010/main" val="0"/>
+              </a:ext>
+            </a:extLst>
+          </a:blip>
+          <a:stretch>
+            <a:fillRect/>
+          </a:stretch>
+        </p:blipFill>
+        <p:spPr>
+          <a:xfrm>
+            <a:off x="0" y="0"/>
+            <a:ext cx="12192000" cy="6858000"/>
+          </a:xfrm>
+          <a:prstGeom prst="rect">
+            <a:avLst/>
+          </a:prstGeom>
+        </p:spPr>
+      </p:pic>
       <p:sp>
         <p:nvSpPr>
           <p:cNvPr id="2" name="Заголовок 1">
@@ -6023,39 +5441,13 @@
           <a:p>
             <a:pPr algn="ctr"/>
             <a:r>
-              <a:rPr lang="ru-RU" sz="6600" dirty="0"/>
+              <a:rPr lang="ru-RU" sz="6600" dirty="0">
+                <a:solidFill>
+                  <a:schemeClr val="bg1"/>
+                </a:solidFill>
+              </a:rPr>
               <a:t>Демонстрация игры</a:t>
             </a:r>
-          </a:p>
-        </p:txBody>
-      </p:sp>
-      <p:sp>
-        <p:nvSpPr>
-          <p:cNvPr id="15" name="Объект 14">
-            <a:extLst>
-              <a:ext uri="{FF2B5EF4-FFF2-40B4-BE49-F238E27FC236}">
-                <a16:creationId xmlns:a16="http://schemas.microsoft.com/office/drawing/2014/main" id="{B8A589CE-EDDE-4104-9149-34629E0525BE}"/>
-              </a:ext>
-            </a:extLst>
-          </p:cNvPr>
-          <p:cNvSpPr>
-            <a:spLocks noGrp="1"/>
-          </p:cNvSpPr>
-          <p:nvPr>
-            <p:ph idx="1"/>
-          </p:nvPr>
-        </p:nvSpPr>
-        <p:spPr>
-          <a:xfrm>
-            <a:off x="907338" y="2578332"/>
-            <a:ext cx="10659110" cy="4351338"/>
-          </a:xfrm>
-        </p:spPr>
-        <p:txBody>
-          <a:bodyPr/>
-          <a:lstStyle/>
-          <a:p>
-            <a:endParaRPr lang="ru-RU"/>
           </a:p>
         </p:txBody>
       </p:sp>
@@ -6365,6 +5757,42 @@
           <a:chExt cx="0" cy="0"/>
         </a:xfrm>
       </p:grpSpPr>
+      <p:pic>
+        <p:nvPicPr>
+          <p:cNvPr id="5" name="Рисунок 4">
+            <a:extLst>
+              <a:ext uri="{FF2B5EF4-FFF2-40B4-BE49-F238E27FC236}">
+                <a16:creationId xmlns:a16="http://schemas.microsoft.com/office/drawing/2014/main" id="{B8A7D5F9-079E-46AD-B091-5F815593FEFE}"/>
+              </a:ext>
+            </a:extLst>
+          </p:cNvPr>
+          <p:cNvPicPr>
+            <a:picLocks noChangeAspect="1"/>
+          </p:cNvPicPr>
+          <p:nvPr/>
+        </p:nvPicPr>
+        <p:blipFill>
+          <a:blip r:embed="rId2">
+            <a:extLst>
+              <a:ext uri="{28A0092B-C50C-407E-A947-70E740481C1C}">
+                <a14:useLocalDpi xmlns:a14="http://schemas.microsoft.com/office/drawing/2010/main" val="0"/>
+              </a:ext>
+            </a:extLst>
+          </a:blip>
+          <a:stretch>
+            <a:fillRect/>
+          </a:stretch>
+        </p:blipFill>
+        <p:spPr>
+          <a:xfrm>
+            <a:off x="0" y="0"/>
+            <a:ext cx="12192000" cy="6858000"/>
+          </a:xfrm>
+          <a:prstGeom prst="rect">
+            <a:avLst/>
+          </a:prstGeom>
+        </p:spPr>
+      </p:pic>
       <p:sp>
         <p:nvSpPr>
           <p:cNvPr id="2" name="Заголовок 1">
@@ -6395,34 +5823,13 @@
           <a:p>
             <a:pPr algn="ctr"/>
             <a:r>
-              <a:rPr lang="ru-RU" sz="6600" dirty="0"/>
+              <a:rPr lang="ru-RU" sz="6600" dirty="0">
+                <a:solidFill>
+                  <a:schemeClr val="bg1"/>
+                </a:solidFill>
+              </a:rPr>
               <a:t>Вопросы</a:t>
             </a:r>
-          </a:p>
-        </p:txBody>
-      </p:sp>
-      <p:sp>
-        <p:nvSpPr>
-          <p:cNvPr id="3" name="Объект 2">
-            <a:extLst>
-              <a:ext uri="{FF2B5EF4-FFF2-40B4-BE49-F238E27FC236}">
-                <a16:creationId xmlns:a16="http://schemas.microsoft.com/office/drawing/2014/main" id="{666E713A-5CF0-4C1F-8AF9-E7FCC799D729}"/>
-              </a:ext>
-            </a:extLst>
-          </p:cNvPr>
-          <p:cNvSpPr>
-            <a:spLocks noGrp="1"/>
-          </p:cNvSpPr>
-          <p:nvPr>
-            <p:ph idx="1"/>
-          </p:nvPr>
-        </p:nvSpPr>
-        <p:spPr/>
-        <p:txBody>
-          <a:bodyPr/>
-          <a:lstStyle/>
-          <a:p>
-            <a:endParaRPr lang="ru-RU"/>
           </a:p>
         </p:txBody>
       </p:sp>
@@ -6456,6 +5863,42 @@
           <a:chExt cx="0" cy="0"/>
         </a:xfrm>
       </p:grpSpPr>
+      <p:pic>
+        <p:nvPicPr>
+          <p:cNvPr id="5" name="Рисунок 4">
+            <a:extLst>
+              <a:ext uri="{FF2B5EF4-FFF2-40B4-BE49-F238E27FC236}">
+                <a16:creationId xmlns:a16="http://schemas.microsoft.com/office/drawing/2014/main" id="{F3BD9D05-D72D-4462-AF46-4354D216AC6C}"/>
+              </a:ext>
+            </a:extLst>
+          </p:cNvPr>
+          <p:cNvPicPr>
+            <a:picLocks noChangeAspect="1"/>
+          </p:cNvPicPr>
+          <p:nvPr/>
+        </p:nvPicPr>
+        <p:blipFill>
+          <a:blip r:embed="rId2">
+            <a:extLst>
+              <a:ext uri="{28A0092B-C50C-407E-A947-70E740481C1C}">
+                <a14:useLocalDpi xmlns:a14="http://schemas.microsoft.com/office/drawing/2010/main" val="0"/>
+              </a:ext>
+            </a:extLst>
+          </a:blip>
+          <a:stretch>
+            <a:fillRect/>
+          </a:stretch>
+        </p:blipFill>
+        <p:spPr>
+          <a:xfrm>
+            <a:off x="0" y="0"/>
+            <a:ext cx="12192000" cy="6858000"/>
+          </a:xfrm>
+          <a:prstGeom prst="rect">
+            <a:avLst/>
+          </a:prstGeom>
+        </p:spPr>
+      </p:pic>
       <p:sp>
         <p:nvSpPr>
           <p:cNvPr id="2" name="Заголовок 1">
@@ -6486,12 +5929,19 @@
           <a:p>
             <a:r>
               <a:rPr lang="ru-RU" dirty="0">
+                <a:solidFill>
+                  <a:schemeClr val="bg1"/>
+                </a:solidFill>
                 <a:ea typeface="+mj-lt"/>
                 <a:cs typeface="+mj-lt"/>
               </a:rPr>
               <a:t>Как вам удалось добиться баланса в игре?</a:t>
             </a:r>
-            <a:endParaRPr lang="ru-RU" dirty="0"/>
+            <a:endParaRPr lang="ru-RU" dirty="0">
+              <a:solidFill>
+                <a:schemeClr val="bg1"/>
+              </a:solidFill>
+            </a:endParaRPr>
           </a:p>
         </p:txBody>
       </p:sp>
@@ -6528,6 +5978,9 @@
             </a:pPr>
             <a:r>
               <a:rPr lang="ru-RU" sz="2400" dirty="0">
+                <a:solidFill>
+                  <a:schemeClr val="bg1"/>
+                </a:solidFill>
                 <a:cs typeface="Calibri"/>
               </a:rPr>
               <a:t>Игроку довольно легко заработать валюту</a:t>
@@ -6541,6 +5994,9 @@
               <a:buAutoNum type="arabicPeriod"/>
             </a:pPr>
             <a:endParaRPr lang="ru-RU" sz="2400" dirty="0">
+              <a:solidFill>
+                <a:schemeClr val="bg1"/>
+              </a:solidFill>
               <a:cs typeface="Calibri"/>
             </a:endParaRPr>
           </a:p>
@@ -6556,6 +6012,9 @@
             </a:pPr>
             <a:r>
               <a:rPr lang="ru-RU" sz="2400" dirty="0">
+                <a:solidFill>
+                  <a:schemeClr val="bg1"/>
+                </a:solidFill>
                 <a:cs typeface="Calibri"/>
               </a:rPr>
               <a:t>Сложность растёт вместе с прогрессом, поэтому игрок будет подготовлен к сложным стадиям  игры</a:t>
@@ -6572,6 +6031,9 @@
               <a:buAutoNum type="arabicPeriod"/>
             </a:pPr>
             <a:endParaRPr lang="ru-RU" sz="2400" dirty="0">
+              <a:solidFill>
+                <a:schemeClr val="bg1"/>
+              </a:solidFill>
               <a:cs typeface="Calibri"/>
             </a:endParaRPr>
           </a:p>
@@ -6587,6 +6049,9 @@
             </a:pPr>
             <a:r>
               <a:rPr lang="ru-RU" sz="2400" dirty="0">
+                <a:solidFill>
+                  <a:schemeClr val="bg1"/>
+                </a:solidFill>
                 <a:cs typeface="Calibri"/>
               </a:rPr>
               <a:t>В любой момент игроку доступна возможность выбрать уровень врагов</a:t>

--- a/Презентация игры.pptx
+++ b/Презентация игры.pptx
@@ -279,7 +279,7 @@
           <a:p>
             <a:fld id="{C43A76A3-ADC8-4477-8FC1-B9DD55D84908}" type="datetime1">
               <a:rPr lang="en-US" smtClean="0"/>
-              <a:t>1/13/2022</a:t>
+              <a:t>1/14/2022</a:t>
             </a:fld>
             <a:endParaRPr lang="en-US" dirty="0"/>
           </a:p>
@@ -477,7 +477,7 @@
           <a:p>
             <a:fld id="{D6762538-DC4D-4667-96E5-B3278DDF8B12}" type="datetime1">
               <a:rPr lang="en-US" smtClean="0"/>
-              <a:t>1/13/2022</a:t>
+              <a:t>1/14/2022</a:t>
             </a:fld>
             <a:endParaRPr lang="en-US"/>
           </a:p>
@@ -685,7 +685,7 @@
           <a:p>
             <a:fld id="{05880548-5C08-4BE3-B63E-F2BB63B0B00C}" type="datetime1">
               <a:rPr lang="en-US" smtClean="0"/>
-              <a:t>1/13/2022</a:t>
+              <a:t>1/14/2022</a:t>
             </a:fld>
             <a:endParaRPr lang="en-US"/>
           </a:p>
@@ -883,7 +883,7 @@
           <a:p>
             <a:fld id="{DE7F49BE-398D-479A-8A7E-5DDBCA61EDCB}" type="datetime1">
               <a:rPr lang="en-US" smtClean="0"/>
-              <a:t>1/13/2022</a:t>
+              <a:t>1/14/2022</a:t>
             </a:fld>
             <a:endParaRPr lang="en-US"/>
           </a:p>
@@ -1159,7 +1159,7 @@
           <a:p>
             <a:fld id="{CCD0C193-4974-4A1F-9C63-07D595E30D66}" type="datetime1">
               <a:rPr lang="en-US" smtClean="0"/>
-              <a:t>1/13/2022</a:t>
+              <a:t>1/14/2022</a:t>
             </a:fld>
             <a:endParaRPr lang="en-US"/>
           </a:p>
@@ -1426,7 +1426,7 @@
           <a:p>
             <a:fld id="{701AA87F-28D4-4BF0-B81F-877A89DFD5AC}" type="datetime1">
               <a:rPr lang="en-US" smtClean="0"/>
-              <a:t>1/13/2022</a:t>
+              <a:t>1/14/2022</a:t>
             </a:fld>
             <a:endParaRPr lang="en-US"/>
           </a:p>
@@ -1840,7 +1840,7 @@
           <a:p>
             <a:fld id="{A8A9F1F3-208B-49A3-B337-9C8ACEB3E0E1}" type="datetime1">
               <a:rPr lang="en-US" smtClean="0"/>
-              <a:t>1/13/2022</a:t>
+              <a:t>1/14/2022</a:t>
             </a:fld>
             <a:endParaRPr lang="en-US"/>
           </a:p>
@@ -1987,7 +1987,7 @@
           <a:p>
             <a:fld id="{27AF6CA6-7293-4AA2-A0E0-A3BF4416E786}" type="datetime1">
               <a:rPr lang="en-US" smtClean="0"/>
-              <a:t>1/13/2022</a:t>
+              <a:t>1/14/2022</a:t>
             </a:fld>
             <a:endParaRPr lang="en-US"/>
           </a:p>
@@ -2100,7 +2100,7 @@
           <a:p>
             <a:fld id="{98D87016-7BCD-46FB-8EE3-AB6C369108B4}" type="datetime1">
               <a:rPr lang="en-US" smtClean="0"/>
-              <a:t>1/13/2022</a:t>
+              <a:t>1/14/2022</a:t>
             </a:fld>
             <a:endParaRPr lang="en-US"/>
           </a:p>
@@ -2419,7 +2419,7 @@
           <a:p>
             <a:fld id="{A1547011-1FFC-4EF8-9A2E-53B4AD2ADBD4}" type="datetime1">
               <a:rPr lang="en-US" smtClean="0"/>
-              <a:t>1/13/2022</a:t>
+              <a:t>1/14/2022</a:t>
             </a:fld>
             <a:endParaRPr lang="en-US"/>
           </a:p>
@@ -2714,7 +2714,7 @@
           <a:p>
             <a:fld id="{9562EB47-45B4-4EF5-A743-B4885DD2F060}" type="datetime1">
               <a:rPr lang="en-US" smtClean="0"/>
-              <a:t>1/13/2022</a:t>
+              <a:t>1/14/2022</a:t>
             </a:fld>
             <a:endParaRPr lang="en-US"/>
           </a:p>
@@ -4099,7 +4099,7 @@
           <a:p>
             <a:fld id="{4A8D24A4-5FEC-4062-8995-EB21925B3B40}" type="datetime1">
               <a:rPr lang="en-US" smtClean="0"/>
-              <a:t>1/13/2022</a:t>
+              <a:t>1/14/2022</a:t>
             </a:fld>
             <a:endParaRPr lang="en-US" sz="1000" dirty="0"/>
           </a:p>

--- a/Презентация игры.pptx
+++ b/Презентация игры.pptx
@@ -279,7 +279,7 @@
           <a:p>
             <a:fld id="{C43A76A3-ADC8-4477-8FC1-B9DD55D84908}" type="datetime1">
               <a:rPr lang="en-US" smtClean="0"/>
-              <a:t>1/14/2022</a:t>
+              <a:t>1/21/2022</a:t>
             </a:fld>
             <a:endParaRPr lang="en-US" dirty="0"/>
           </a:p>
@@ -477,7 +477,7 @@
           <a:p>
             <a:fld id="{D6762538-DC4D-4667-96E5-B3278DDF8B12}" type="datetime1">
               <a:rPr lang="en-US" smtClean="0"/>
-              <a:t>1/14/2022</a:t>
+              <a:t>1/21/2022</a:t>
             </a:fld>
             <a:endParaRPr lang="en-US"/>
           </a:p>
@@ -685,7 +685,7 @@
           <a:p>
             <a:fld id="{05880548-5C08-4BE3-B63E-F2BB63B0B00C}" type="datetime1">
               <a:rPr lang="en-US" smtClean="0"/>
-              <a:t>1/14/2022</a:t>
+              <a:t>1/21/2022</a:t>
             </a:fld>
             <a:endParaRPr lang="en-US"/>
           </a:p>
@@ -883,7 +883,7 @@
           <a:p>
             <a:fld id="{DE7F49BE-398D-479A-8A7E-5DDBCA61EDCB}" type="datetime1">
               <a:rPr lang="en-US" smtClean="0"/>
-              <a:t>1/14/2022</a:t>
+              <a:t>1/21/2022</a:t>
             </a:fld>
             <a:endParaRPr lang="en-US"/>
           </a:p>
@@ -1159,7 +1159,7 @@
           <a:p>
             <a:fld id="{CCD0C193-4974-4A1F-9C63-07D595E30D66}" type="datetime1">
               <a:rPr lang="en-US" smtClean="0"/>
-              <a:t>1/14/2022</a:t>
+              <a:t>1/21/2022</a:t>
             </a:fld>
             <a:endParaRPr lang="en-US"/>
           </a:p>
@@ -1426,7 +1426,7 @@
           <a:p>
             <a:fld id="{701AA87F-28D4-4BF0-B81F-877A89DFD5AC}" type="datetime1">
               <a:rPr lang="en-US" smtClean="0"/>
-              <a:t>1/14/2022</a:t>
+              <a:t>1/21/2022</a:t>
             </a:fld>
             <a:endParaRPr lang="en-US"/>
           </a:p>
@@ -1840,7 +1840,7 @@
           <a:p>
             <a:fld id="{A8A9F1F3-208B-49A3-B337-9C8ACEB3E0E1}" type="datetime1">
               <a:rPr lang="en-US" smtClean="0"/>
-              <a:t>1/14/2022</a:t>
+              <a:t>1/21/2022</a:t>
             </a:fld>
             <a:endParaRPr lang="en-US"/>
           </a:p>
@@ -1987,7 +1987,7 @@
           <a:p>
             <a:fld id="{27AF6CA6-7293-4AA2-A0E0-A3BF4416E786}" type="datetime1">
               <a:rPr lang="en-US" smtClean="0"/>
-              <a:t>1/14/2022</a:t>
+              <a:t>1/21/2022</a:t>
             </a:fld>
             <a:endParaRPr lang="en-US"/>
           </a:p>
@@ -2100,7 +2100,7 @@
           <a:p>
             <a:fld id="{98D87016-7BCD-46FB-8EE3-AB6C369108B4}" type="datetime1">
               <a:rPr lang="en-US" smtClean="0"/>
-              <a:t>1/14/2022</a:t>
+              <a:t>1/21/2022</a:t>
             </a:fld>
             <a:endParaRPr lang="en-US"/>
           </a:p>
@@ -2419,7 +2419,7 @@
           <a:p>
             <a:fld id="{A1547011-1FFC-4EF8-9A2E-53B4AD2ADBD4}" type="datetime1">
               <a:rPr lang="en-US" smtClean="0"/>
-              <a:t>1/14/2022</a:t>
+              <a:t>1/21/2022</a:t>
             </a:fld>
             <a:endParaRPr lang="en-US"/>
           </a:p>
@@ -2714,7 +2714,7 @@
           <a:p>
             <a:fld id="{9562EB47-45B4-4EF5-A743-B4885DD2F060}" type="datetime1">
               <a:rPr lang="en-US" smtClean="0"/>
-              <a:t>1/14/2022</a:t>
+              <a:t>1/21/2022</a:t>
             </a:fld>
             <a:endParaRPr lang="en-US"/>
           </a:p>
@@ -4099,7 +4099,7 @@
           <a:p>
             <a:fld id="{4A8D24A4-5FEC-4062-8995-EB21925B3B40}" type="datetime1">
               <a:rPr lang="en-US" smtClean="0"/>
-              <a:t>1/14/2022</a:t>
+              <a:t>1/21/2022</a:t>
             </a:fld>
             <a:endParaRPr lang="en-US" sz="1000" dirty="0"/>
           </a:p>
@@ -5606,21 +5606,44 @@
           </a:p>
         </p:txBody>
       </p:sp>
+      <p:sp>
+        <p:nvSpPr>
+          <p:cNvPr id="5" name="Объект 4">
+            <a:extLst>
+              <a:ext uri="{FF2B5EF4-FFF2-40B4-BE49-F238E27FC236}">
+                <a16:creationId xmlns:a16="http://schemas.microsoft.com/office/drawing/2014/main" id="{FC3FF2A1-9473-4FE6-9C3A-91D7A89964C3}"/>
+              </a:ext>
+            </a:extLst>
+          </p:cNvPr>
+          <p:cNvSpPr>
+            <a:spLocks noGrp="1"/>
+          </p:cNvSpPr>
+          <p:nvPr>
+            <p:ph idx="1"/>
+          </p:nvPr>
+        </p:nvSpPr>
+        <p:spPr/>
+        <p:txBody>
+          <a:bodyPr/>
+          <a:lstStyle/>
+          <a:p>
+            <a:endParaRPr lang="ru-RU"/>
+          </a:p>
+        </p:txBody>
+      </p:sp>
       <p:pic>
         <p:nvPicPr>
-          <p:cNvPr id="4" name="Рисунок 4">
-            <a:extLst>
-              <a:ext uri="{FF2B5EF4-FFF2-40B4-BE49-F238E27FC236}">
-                <a16:creationId xmlns:a16="http://schemas.microsoft.com/office/drawing/2014/main" id="{72974957-0280-486F-B0DE-E468348F9198}"/>
+          <p:cNvPr id="7" name="Рисунок 6">
+            <a:extLst>
+              <a:ext uri="{FF2B5EF4-FFF2-40B4-BE49-F238E27FC236}">
+                <a16:creationId xmlns:a16="http://schemas.microsoft.com/office/drawing/2014/main" id="{8B71354A-6A27-49A1-B346-36FBDEA8FEAB}"/>
               </a:ext>
             </a:extLst>
           </p:cNvPr>
           <p:cNvPicPr>
-            <a:picLocks noGrp="1" noChangeAspect="1"/>
+            <a:picLocks noChangeAspect="1"/>
           </p:cNvPicPr>
-          <p:nvPr>
-            <p:ph idx="1"/>
-          </p:nvPr>
+          <p:nvPr/>
         </p:nvPicPr>
         <p:blipFill>
           <a:blip r:embed="rId2"/>
@@ -5630,9 +5653,12 @@
         </p:blipFill>
         <p:spPr>
           <a:xfrm>
-            <a:off x="3501580" y="4260"/>
-            <a:ext cx="8806698" cy="6851068"/>
+            <a:off x="3306931" y="0"/>
+            <a:ext cx="8885069" cy="6858000"/>
           </a:xfrm>
+          <a:prstGeom prst="rect">
+            <a:avLst/>
+          </a:prstGeom>
         </p:spPr>
       </p:pic>
     </p:spTree>
@@ -5698,21 +5724,44 @@
           </a:p>
         </p:txBody>
       </p:sp>
+      <p:sp>
+        <p:nvSpPr>
+          <p:cNvPr id="5" name="Объект 4">
+            <a:extLst>
+              <a:ext uri="{FF2B5EF4-FFF2-40B4-BE49-F238E27FC236}">
+                <a16:creationId xmlns:a16="http://schemas.microsoft.com/office/drawing/2014/main" id="{6826B21F-94F2-46E8-B390-6F9D7AAAA753}"/>
+              </a:ext>
+            </a:extLst>
+          </p:cNvPr>
+          <p:cNvSpPr>
+            <a:spLocks noGrp="1"/>
+          </p:cNvSpPr>
+          <p:nvPr>
+            <p:ph idx="1"/>
+          </p:nvPr>
+        </p:nvSpPr>
+        <p:spPr/>
+        <p:txBody>
+          <a:bodyPr/>
+          <a:lstStyle/>
+          <a:p>
+            <a:endParaRPr lang="ru-RU"/>
+          </a:p>
+        </p:txBody>
+      </p:sp>
       <p:pic>
         <p:nvPicPr>
-          <p:cNvPr id="4" name="Рисунок 4" descr="Изображение выглядит как текст&#10;&#10;Автоматически созданное описание">
-            <a:extLst>
-              <a:ext uri="{FF2B5EF4-FFF2-40B4-BE49-F238E27FC236}">
-                <a16:creationId xmlns:a16="http://schemas.microsoft.com/office/drawing/2014/main" id="{4BB701B5-78CE-4D41-A3DD-650845C08884}"/>
+          <p:cNvPr id="7" name="Рисунок 6">
+            <a:extLst>
+              <a:ext uri="{FF2B5EF4-FFF2-40B4-BE49-F238E27FC236}">
+                <a16:creationId xmlns:a16="http://schemas.microsoft.com/office/drawing/2014/main" id="{84F6E471-F262-4F7C-B9B1-0A391E0E8716}"/>
               </a:ext>
             </a:extLst>
           </p:cNvPr>
           <p:cNvPicPr>
-            <a:picLocks noGrp="1" noChangeAspect="1"/>
+            <a:picLocks noChangeAspect="1"/>
           </p:cNvPicPr>
-          <p:nvPr>
-            <p:ph idx="1"/>
-          </p:nvPr>
+          <p:nvPr/>
         </p:nvPicPr>
         <p:blipFill>
           <a:blip r:embed="rId2"/>
@@ -5722,9 +5771,12 @@
         </p:blipFill>
         <p:spPr>
           <a:xfrm>
-            <a:off x="3272502" y="4261"/>
-            <a:ext cx="8921027" cy="6888238"/>
+            <a:off x="3361957" y="0"/>
+            <a:ext cx="8830043" cy="6858000"/>
           </a:xfrm>
+          <a:prstGeom prst="rect">
+            <a:avLst/>
+          </a:prstGeom>
         </p:spPr>
       </p:pic>
     </p:spTree>
